--- a/2021/doc/進捗04.13.pptx
+++ b/2021/doc/進捗04.13.pptx
@@ -12093,7 +12093,7 @@
         <p:spPr>
           <a:xfrm>
             <a:off x="8352476" y="3692746"/>
-            <a:ext cx="2230098" cy="369332"/>
+            <a:ext cx="2313454" cy="369332"/>
           </a:xfrm>
           <a:prstGeom prst="rect">
             <a:avLst/>
@@ -12107,12 +12107,8 @@
           <a:lstStyle/>
           <a:p>
             <a:r>
-              <a:rPr lang="en-US" altLang="ja-JP" dirty="0" err="1"/>
-              <a:t>Nomal</a:t>
-            </a:r>
-            <a:r>
               <a:rPr lang="en-US" altLang="ja-JP" dirty="0"/>
-              <a:t> Binding </a:t>
+              <a:t>Normal Binding </a:t>
             </a:r>
             <a:r>
               <a:rPr kumimoji="1" lang="en-US" altLang="ja-JP" dirty="0"/>
